--- a/OSAV_T3_GTFS_01022020.pptx
+++ b/OSAV_T3_GTFS_01022020.pptx
@@ -26,16 +26,16 @@
   <p:notesSz cx="6858000" cy="9144000"/>
   <p:embeddedFontLst>
     <p:embeddedFont>
-      <p:font typeface="Maven Pro" panose="020B0604020202020204" charset="0"/>
+      <p:font typeface="Nunito" panose="020B0604020202020204" charset="0"/>
       <p:regular r:id="rId16"/>
       <p:bold r:id="rId17"/>
+      <p:italic r:id="rId18"/>
+      <p:boldItalic r:id="rId19"/>
     </p:embeddedFont>
     <p:embeddedFont>
-      <p:font typeface="Nunito" panose="020B0604020202020204" charset="0"/>
-      <p:regular r:id="rId18"/>
-      <p:bold r:id="rId19"/>
-      <p:italic r:id="rId20"/>
-      <p:boldItalic r:id="rId21"/>
+      <p:font typeface="Maven Pro" panose="020B0604020202020204" charset="0"/>
+      <p:regular r:id="rId20"/>
+      <p:bold r:id="rId21"/>
     </p:embeddedFont>
   </p:embeddedFontLst>
   <p:defaultTextStyle>
@@ -16108,14 +16108,14 @@
               <a:buNone/>
             </a:pPr>
             <a:r>
-              <a:rPr lang="en" sz="2400" b="1" cap="small">
+              <a:rPr lang="en" sz="2400" b="1" cap="small" dirty="0">
                 <a:solidFill>
                   <a:schemeClr val="lt1"/>
                 </a:solidFill>
               </a:rPr>
               <a:t>NTD/NTM DATA AUTO FETCH  SYSTEM </a:t>
             </a:r>
-            <a:endParaRPr sz="2400" b="1" cap="small">
+            <a:endParaRPr sz="2400" b="1" cap="small" dirty="0">
               <a:solidFill>
                 <a:schemeClr val="lt1"/>
               </a:solidFill>
@@ -16135,14 +16135,14 @@
               <a:buNone/>
             </a:pPr>
             <a:r>
-              <a:rPr lang="en" sz="2400" b="1">
+              <a:rPr lang="en" sz="2400" b="1" dirty="0">
                 <a:solidFill>
                   <a:schemeClr val="lt1"/>
                 </a:solidFill>
               </a:rPr>
               <a:t>Task 3: Transportation Data Discovery, Evaluation, Compilation, and Publication</a:t>
             </a:r>
-            <a:endParaRPr sz="2400" b="1" cap="small">
+            <a:endParaRPr sz="2400" b="1" cap="small" dirty="0">
               <a:solidFill>
                 <a:schemeClr val="lt1"/>
               </a:solidFill>
@@ -20545,7 +20545,7 @@
               <a:rPr lang="en" b="1" dirty="0"/>
               <a:t>PyCharm (IDE, 2019.3.1)</a:t>
             </a:r>
-            <a:endParaRPr b="1"/>
+            <a:endParaRPr b="1" dirty="0"/>
           </a:p>
           <a:p>
             <a:pPr marL="457200" lvl="0" indent="-317500" algn="l" rtl="0">
@@ -20559,10 +20559,10 @@
               <a:buChar char="●"/>
             </a:pPr>
             <a:r>
-              <a:rPr lang="en" b="1" dirty="0"/>
-              <a:t>Python 3.7</a:t>
+              <a:rPr lang="en" b="1"/>
+              <a:t>Python (3.7)</a:t>
             </a:r>
-            <a:endParaRPr b="1"/>
+            <a:endParaRPr b="1" dirty="0"/>
           </a:p>
           <a:p>
             <a:pPr marL="457200" lvl="0" indent="-317500" algn="l" rtl="0">
@@ -20579,7 +20579,7 @@
               <a:rPr lang="en" b="1" dirty="0"/>
               <a:t>Django (2.1)</a:t>
             </a:r>
-            <a:endParaRPr b="1"/>
+            <a:endParaRPr b="1" dirty="0"/>
           </a:p>
           <a:p>
             <a:pPr marL="457200" lvl="0" indent="-317500" algn="l" rtl="0">
@@ -20596,7 +20596,7 @@
               <a:rPr lang="en" b="1" dirty="0"/>
               <a:t>SQLite3 (3.27.2)</a:t>
             </a:r>
-            <a:endParaRPr b="1"/>
+            <a:endParaRPr b="1" dirty="0"/>
           </a:p>
           <a:p>
             <a:pPr marL="457200" lvl="0" indent="-317500" algn="l" rtl="0">
@@ -20613,7 +20613,7 @@
               <a:rPr lang="en" b="1" dirty="0"/>
               <a:t>MongoDB (1.19.12)</a:t>
             </a:r>
-            <a:endParaRPr b="1"/>
+            <a:endParaRPr b="1" dirty="0"/>
           </a:p>
           <a:p>
             <a:pPr marL="457200" lvl="0" indent="-317500" algn="l" rtl="0">
@@ -20630,7 +20630,7 @@
               <a:rPr lang="en" b="1" dirty="0"/>
               <a:t>ML Packages for Python (Mahout with Python API)</a:t>
             </a:r>
-            <a:endParaRPr b="1"/>
+            <a:endParaRPr b="1" dirty="0"/>
           </a:p>
           <a:p>
             <a:pPr marL="457200" lvl="0" indent="-317500">
@@ -20645,7 +20645,7 @@
               <a:rPr lang="en-US" b="1" dirty="0"/>
               <a:t>Natural language toolkit (NLTK))</a:t>
             </a:r>
-            <a:endParaRPr b="1"/>
+            <a:endParaRPr b="1" dirty="0"/>
           </a:p>
           <a:p>
             <a:pPr marL="457200" lvl="0" indent="-317500" algn="l" rtl="0">
@@ -20662,7 +20662,7 @@
               <a:rPr lang="en" b="1" dirty="0"/>
               <a:t>JavaScript (datatable JQuery etc.)</a:t>
             </a:r>
-            <a:endParaRPr b="1"/>
+            <a:endParaRPr b="1" dirty="0"/>
           </a:p>
           <a:p>
             <a:pPr marL="457200" lvl="0" indent="-317500" algn="l" rtl="0">
@@ -20679,7 +20679,7 @@
               <a:rPr lang="en" b="1" dirty="0"/>
               <a:t>CSS</a:t>
             </a:r>
-            <a:endParaRPr b="1"/>
+            <a:endParaRPr b="1" dirty="0"/>
           </a:p>
           <a:p>
             <a:pPr marL="457200" lvl="0" indent="-317500" algn="l" rtl="0">
@@ -20696,7 +20696,7 @@
               <a:rPr lang="en" b="1" dirty="0"/>
               <a:t>HTML</a:t>
             </a:r>
-            <a:endParaRPr b="1"/>
+            <a:endParaRPr b="1" dirty="0"/>
           </a:p>
           <a:p>
             <a:pPr marL="457200" lvl="0" indent="-317500" algn="l" rtl="0">
@@ -20716,7 +20716,7 @@
               <a:rPr lang="en" b="1" dirty="0"/>
               <a:t>Jupyter Notebook (5.7.8)</a:t>
             </a:r>
-            <a:endParaRPr b="1"/>
+            <a:endParaRPr b="1" dirty="0"/>
           </a:p>
           <a:p>
             <a:pPr marL="457200" lvl="0" indent="-317500" algn="l" rtl="0">
@@ -20733,7 +20733,7 @@
               <a:rPr lang="en" b="1" dirty="0"/>
               <a:t>ArcGIS Server </a:t>
             </a:r>
-            <a:endParaRPr b="1"/>
+            <a:endParaRPr b="1" dirty="0"/>
           </a:p>
           <a:p>
             <a:pPr marL="457200" lvl="0" indent="-317500" algn="l" rtl="0">
@@ -20750,7 +20750,7 @@
               <a:rPr lang="en" b="1" dirty="0"/>
               <a:t>ArcGIS Desktop </a:t>
             </a:r>
-            <a:endParaRPr b="1"/>
+            <a:endParaRPr b="1" dirty="0"/>
           </a:p>
           <a:p>
             <a:pPr marL="457200" lvl="0" indent="-317500" algn="l" rtl="0">
@@ -20767,7 +20767,7 @@
               <a:rPr lang="en" b="1" dirty="0"/>
               <a:t>Tableau Desktop and Server</a:t>
             </a:r>
-            <a:endParaRPr b="1"/>
+            <a:endParaRPr b="1" dirty="0"/>
           </a:p>
           <a:p>
             <a:pPr marL="457200" lvl="0" indent="-317500" algn="l" rtl="0">
@@ -20784,7 +20784,7 @@
               <a:rPr lang="en" b="1" dirty="0"/>
               <a:t>SQL DB Server</a:t>
             </a:r>
-            <a:endParaRPr b="1"/>
+            <a:endParaRPr b="1" dirty="0"/>
           </a:p>
           <a:p>
             <a:pPr marL="457200" lvl="0" indent="-317500" algn="l" rtl="0">
@@ -20801,7 +20801,7 @@
               <a:rPr lang="en" b="1" dirty="0"/>
               <a:t>GitHub</a:t>
             </a:r>
-            <a:endParaRPr b="1"/>
+            <a:endParaRPr b="1" dirty="0"/>
           </a:p>
           <a:p>
             <a:pPr marL="457200" lvl="0" indent="0" algn="l" rtl="0">
@@ -20813,7 +20813,7 @@
               </a:spcAft>
               <a:buNone/>
             </a:pPr>
-            <a:endParaRPr>
+            <a:endParaRPr dirty="0">
               <a:latin typeface="Nunito"/>
               <a:ea typeface="Nunito"/>
               <a:cs typeface="Nunito"/>
@@ -20830,7 +20830,7 @@
               </a:spcAft>
               <a:buNone/>
             </a:pPr>
-            <a:endParaRPr>
+            <a:endParaRPr dirty="0">
               <a:latin typeface="Nunito"/>
               <a:ea typeface="Nunito"/>
               <a:cs typeface="Nunito"/>
